--- a/Documents/PPT/PPT_GRP-5.pptx
+++ b/Documents/PPT/PPT_GRP-5.pptx
@@ -14,9 +14,9 @@
     <p:sldId id="262" r:id="rId8"/>
     <p:sldId id="263" r:id="rId9"/>
     <p:sldId id="264" r:id="rId10"/>
-    <p:sldId id="266" r:id="rId11"/>
-    <p:sldId id="268" r:id="rId12"/>
-    <p:sldId id="269" r:id="rId13"/>
+    <p:sldId id="269" r:id="rId11"/>
+    <p:sldId id="266" r:id="rId12"/>
+    <p:sldId id="268" r:id="rId13"/>
     <p:sldId id="270" r:id="rId14"/>
     <p:sldId id="265" r:id="rId15"/>
   </p:sldIdLst>
@@ -17558,10 +17558,72 @@
       </p:sp>
       <p:sp>
         <p:nvSpPr>
-          <p:cNvPr id="2" name="Title 1">
+          <p:cNvPr id="35" name="Isosceles Triangle 34">
             <a:extLst>
               <a:ext uri="{FF2B5EF4-FFF2-40B4-BE49-F238E27FC236}">
-                <a16:creationId xmlns:a16="http://schemas.microsoft.com/office/drawing/2014/main" id="{3F7223A5-0AFF-BA07-D659-0CA84ACD32A2}"/>
+                <a16:creationId xmlns:a16="http://schemas.microsoft.com/office/drawing/2014/main" id="{B8B918B4-AB10-4E3A-916E-A9625586EA47}"/>
+              </a:ext>
+              <a:ext uri="{C183D7F6-B498-43B3-948B-1728B52AA6E4}">
+                <adec:decorative xmlns:adec="http://schemas.microsoft.com/office/drawing/2017/decorative" val="1"/>
+              </a:ext>
+            </a:extLst>
+          </p:cNvPr>
+          <p:cNvSpPr>
+            <a:spLocks noGrp="1" noRot="1" noChangeAspect="1" noMove="1" noResize="1" noEditPoints="1" noAdjustHandles="1" noChangeArrowheads="1" noChangeShapeType="1" noTextEdit="1"/>
+          </p:cNvSpPr>
+          <p:nvPr>
+            <p:extLst>
+              <p:ext uri="{386F3935-93C4-4BCD-93E2-E3B085C9AB24}">
+                <p16:designElem xmlns:p16="http://schemas.microsoft.com/office/powerpoint/2015/main" val="1"/>
+              </p:ext>
+            </p:extLst>
+          </p:nvPr>
+        </p:nvSpPr>
+        <p:spPr>
+          <a:xfrm rot="5400000">
+            <a:off x="1797903" y="954813"/>
+            <a:ext cx="300774" cy="259288"/>
+          </a:xfrm>
+          <a:prstGeom prst="triangle">
+            <a:avLst/>
+          </a:prstGeom>
+          <a:solidFill>
+            <a:schemeClr val="accent1"/>
+          </a:solidFill>
+          <a:ln>
+            <a:noFill/>
+          </a:ln>
+        </p:spPr>
+        <p:style>
+          <a:lnRef idx="2">
+            <a:schemeClr val="accent1">
+              <a:shade val="50000"/>
+            </a:schemeClr>
+          </a:lnRef>
+          <a:fillRef idx="1">
+            <a:schemeClr val="accent1"/>
+          </a:fillRef>
+          <a:effectRef idx="0">
+            <a:schemeClr val="accent1"/>
+          </a:effectRef>
+          <a:fontRef idx="minor">
+            <a:schemeClr val="lt1"/>
+          </a:fontRef>
+        </p:style>
+        <p:txBody>
+          <a:bodyPr/>
+          <a:lstStyle/>
+          <a:p>
+            <a:endParaRPr lang="en-US" dirty="0"/>
+          </a:p>
+        </p:txBody>
+      </p:sp>
+      <p:sp>
+        <p:nvSpPr>
+          <p:cNvPr id="5" name="Title 1">
+            <a:extLst>
+              <a:ext uri="{FF2B5EF4-FFF2-40B4-BE49-F238E27FC236}">
+                <a16:creationId xmlns:a16="http://schemas.microsoft.com/office/drawing/2014/main" id="{FD54F6B6-A78A-9E2E-82DC-13742846BA29}"/>
               </a:ext>
             </a:extLst>
           </p:cNvPr>
@@ -17602,74 +17664,12 @@
           </a:p>
         </p:txBody>
       </p:sp>
-      <p:sp>
-        <p:nvSpPr>
-          <p:cNvPr id="35" name="Isosceles Triangle 34">
-            <a:extLst>
-              <a:ext uri="{FF2B5EF4-FFF2-40B4-BE49-F238E27FC236}">
-                <a16:creationId xmlns:a16="http://schemas.microsoft.com/office/drawing/2014/main" id="{B8B918B4-AB10-4E3A-916E-A9625586EA47}"/>
-              </a:ext>
-              <a:ext uri="{C183D7F6-B498-43B3-948B-1728B52AA6E4}">
-                <adec:decorative xmlns:adec="http://schemas.microsoft.com/office/drawing/2017/decorative" val="1"/>
-              </a:ext>
-            </a:extLst>
-          </p:cNvPr>
-          <p:cNvSpPr>
-            <a:spLocks noGrp="1" noRot="1" noChangeAspect="1" noMove="1" noResize="1" noEditPoints="1" noAdjustHandles="1" noChangeArrowheads="1" noChangeShapeType="1" noTextEdit="1"/>
-          </p:cNvSpPr>
-          <p:nvPr>
-            <p:extLst>
-              <p:ext uri="{386F3935-93C4-4BCD-93E2-E3B085C9AB24}">
-                <p16:designElem xmlns:p16="http://schemas.microsoft.com/office/powerpoint/2015/main" val="1"/>
-              </p:ext>
-            </p:extLst>
-          </p:nvPr>
-        </p:nvSpPr>
-        <p:spPr>
-          <a:xfrm rot="5400000">
-            <a:off x="1797903" y="954813"/>
-            <a:ext cx="300774" cy="259288"/>
-          </a:xfrm>
-          <a:prstGeom prst="triangle">
-            <a:avLst/>
-          </a:prstGeom>
-          <a:solidFill>
-            <a:schemeClr val="accent1"/>
-          </a:solidFill>
-          <a:ln>
-            <a:noFill/>
-          </a:ln>
-        </p:spPr>
-        <p:style>
-          <a:lnRef idx="2">
-            <a:schemeClr val="accent1">
-              <a:shade val="50000"/>
-            </a:schemeClr>
-          </a:lnRef>
-          <a:fillRef idx="1">
-            <a:schemeClr val="accent1"/>
-          </a:fillRef>
-          <a:effectRef idx="0">
-            <a:schemeClr val="accent1"/>
-          </a:effectRef>
-          <a:fontRef idx="minor">
-            <a:schemeClr val="lt1"/>
-          </a:fontRef>
-        </p:style>
-        <p:txBody>
-          <a:bodyPr/>
-          <a:lstStyle/>
-          <a:p>
-            <a:endParaRPr lang="en-US" dirty="0"/>
-          </a:p>
-        </p:txBody>
-      </p:sp>
       <p:pic>
         <p:nvPicPr>
-          <p:cNvPr id="4" name="Picture 4" descr="Text&#10;&#10;Description automatically generated">
+          <p:cNvPr id="6" name="Picture 6" descr="Graphical user interface, text&#10;&#10;Description automatically generated">
             <a:extLst>
               <a:ext uri="{FF2B5EF4-FFF2-40B4-BE49-F238E27FC236}">
-                <a16:creationId xmlns:a16="http://schemas.microsoft.com/office/drawing/2014/main" id="{668230E2-46E9-8386-0386-B316B88888CE}"/>
+                <a16:creationId xmlns:a16="http://schemas.microsoft.com/office/drawing/2014/main" id="{D64527CB-9ACB-5D5F-A7D4-E4947DCD08B4}"/>
               </a:ext>
             </a:extLst>
           </p:cNvPr>
@@ -17686,8 +17686,38 @@
         </p:blipFill>
         <p:spPr>
           <a:xfrm>
-            <a:off x="2026879" y="2055652"/>
-            <a:ext cx="3376411" cy="3402376"/>
+            <a:off x="2081212" y="2171700"/>
+            <a:ext cx="5041106" cy="2955131"/>
+          </a:xfrm>
+          <a:prstGeom prst="rect">
+            <a:avLst/>
+          </a:prstGeom>
+        </p:spPr>
+      </p:pic>
+      <p:pic>
+        <p:nvPicPr>
+          <p:cNvPr id="7" name="Picture 8">
+            <a:extLst>
+              <a:ext uri="{FF2B5EF4-FFF2-40B4-BE49-F238E27FC236}">
+                <a16:creationId xmlns:a16="http://schemas.microsoft.com/office/drawing/2014/main" id="{A1D5F730-6115-EF98-4F23-F01D0531A17E}"/>
+              </a:ext>
+            </a:extLst>
+          </p:cNvPr>
+          <p:cNvPicPr>
+            <a:picLocks noChangeAspect="1"/>
+          </p:cNvPicPr>
+          <p:nvPr/>
+        </p:nvPicPr>
+        <p:blipFill>
+          <a:blip r:embed="rId3"/>
+          <a:stretch>
+            <a:fillRect/>
+          </a:stretch>
+        </p:blipFill>
+        <p:spPr>
+          <a:xfrm>
+            <a:off x="8649094" y="2169318"/>
+            <a:ext cx="2489999" cy="4114800"/>
           </a:xfrm>
           <a:prstGeom prst="rect">
             <a:avLst/>
@@ -17696,10 +17726,10 @@
       </p:pic>
       <p:sp>
         <p:nvSpPr>
-          <p:cNvPr id="5" name="TextBox 4">
+          <p:cNvPr id="32" name="TextBox 31">
             <a:extLst>
               <a:ext uri="{FF2B5EF4-FFF2-40B4-BE49-F238E27FC236}">
-                <a16:creationId xmlns:a16="http://schemas.microsoft.com/office/drawing/2014/main" id="{F8819779-0D96-14AD-9B1A-387EF5B71DCE}"/>
+                <a16:creationId xmlns:a16="http://schemas.microsoft.com/office/drawing/2014/main" id="{ADA21252-1D8D-7171-DB02-A13962AFD1F0}"/>
               </a:ext>
             </a:extLst>
           </p:cNvPr>
@@ -17731,47 +17761,17 @@
             </a:pPr>
             <a:r>
               <a:rPr lang="en-US" dirty="0"/>
-              <a:t>LOGIN, LOCATIONS AND RESTAURANTS PAGE</a:t>
+              <a:t>CUSTOMER SUPPORT: CLIENT SIDE</a:t>
             </a:r>
           </a:p>
         </p:txBody>
       </p:sp>
-      <p:pic>
-        <p:nvPicPr>
-          <p:cNvPr id="6" name="Picture 6" descr="Text&#10;&#10;Description automatically generated">
-            <a:extLst>
-              <a:ext uri="{FF2B5EF4-FFF2-40B4-BE49-F238E27FC236}">
-                <a16:creationId xmlns:a16="http://schemas.microsoft.com/office/drawing/2014/main" id="{08F2409A-2E2A-C49F-CCB9-D2C0D8B3F3D5}"/>
-              </a:ext>
-            </a:extLst>
-          </p:cNvPr>
-          <p:cNvPicPr>
-            <a:picLocks noChangeAspect="1"/>
-          </p:cNvPicPr>
-          <p:nvPr/>
-        </p:nvPicPr>
-        <p:blipFill>
-          <a:blip r:embed="rId3"/>
-          <a:stretch>
-            <a:fillRect/>
-          </a:stretch>
-        </p:blipFill>
-        <p:spPr>
-          <a:xfrm>
-            <a:off x="5950744" y="2059385"/>
-            <a:ext cx="2743200" cy="4025104"/>
-          </a:xfrm>
-          <a:prstGeom prst="rect">
-            <a:avLst/>
-          </a:prstGeom>
-        </p:spPr>
-      </p:pic>
       <p:sp>
         <p:nvSpPr>
-          <p:cNvPr id="7" name="TextBox 6">
+          <p:cNvPr id="34" name="TextBox 33">
             <a:extLst>
               <a:ext uri="{FF2B5EF4-FFF2-40B4-BE49-F238E27FC236}">
-                <a16:creationId xmlns:a16="http://schemas.microsoft.com/office/drawing/2014/main" id="{40D565C8-3CF5-9AD8-BE55-4A74DB5E5034}"/>
+                <a16:creationId xmlns:a16="http://schemas.microsoft.com/office/drawing/2014/main" id="{923D487B-3297-A711-DAB8-14FDE688BB80}"/>
               </a:ext>
             </a:extLst>
           </p:cNvPr>
@@ -17780,8 +17780,8 @@
         </p:nvSpPr>
         <p:spPr>
           <a:xfrm>
-            <a:off x="5774531" y="1393031"/>
-            <a:ext cx="3095624" cy="646331"/>
+            <a:off x="7847727" y="1391690"/>
+            <a:ext cx="4111009" cy="646331"/>
           </a:xfrm>
           <a:prstGeom prst="rect">
             <a:avLst/>
@@ -17803,79 +17803,7 @@
             </a:pPr>
             <a:r>
               <a:rPr lang="en-US" dirty="0"/>
-              <a:t>RESTAURANTS, MENU AND SEARCH PAGE</a:t>
-            </a:r>
-          </a:p>
-        </p:txBody>
-      </p:sp>
-      <p:pic>
-        <p:nvPicPr>
-          <p:cNvPr id="9" name="Picture 31" descr="Text&#10;&#10;Description automatically generated">
-            <a:extLst>
-              <a:ext uri="{FF2B5EF4-FFF2-40B4-BE49-F238E27FC236}">
-                <a16:creationId xmlns:a16="http://schemas.microsoft.com/office/drawing/2014/main" id="{1B854BEE-CFC2-CEE1-A3A7-A446B42AD519}"/>
-              </a:ext>
-            </a:extLst>
-          </p:cNvPr>
-          <p:cNvPicPr>
-            <a:picLocks noChangeAspect="1"/>
-          </p:cNvPicPr>
-          <p:nvPr/>
-        </p:nvPicPr>
-        <p:blipFill>
-          <a:blip r:embed="rId4"/>
-          <a:stretch>
-            <a:fillRect/>
-          </a:stretch>
-        </p:blipFill>
-        <p:spPr>
-          <a:xfrm>
-            <a:off x="9258931" y="2062162"/>
-            <a:ext cx="2699073" cy="4114800"/>
-          </a:xfrm>
-          <a:prstGeom prst="rect">
-            <a:avLst/>
-          </a:prstGeom>
-        </p:spPr>
-      </p:pic>
-      <p:sp>
-        <p:nvSpPr>
-          <p:cNvPr id="32" name="TextBox 31">
-            <a:extLst>
-              <a:ext uri="{FF2B5EF4-FFF2-40B4-BE49-F238E27FC236}">
-                <a16:creationId xmlns:a16="http://schemas.microsoft.com/office/drawing/2014/main" id="{D91FB761-3C19-336F-3FE8-D6B0929B3556}"/>
-              </a:ext>
-            </a:extLst>
-          </p:cNvPr>
-          <p:cNvSpPr txBox="1"/>
-          <p:nvPr/>
-        </p:nvSpPr>
-        <p:spPr>
-          <a:xfrm>
-            <a:off x="8959453" y="1354335"/>
-            <a:ext cx="3080742" cy="646331"/>
-          </a:xfrm>
-          <a:prstGeom prst="rect">
-            <a:avLst/>
-          </a:prstGeom>
-          <a:noFill/>
-        </p:spPr>
-        <p:txBody>
-          <a:bodyPr rot="0" spcFirstLastPara="0" vertOverflow="overflow" horzOverflow="overflow" vert="horz" wrap="square" lIns="91440" tIns="45720" rIns="91440" bIns="45720" numCol="1" spcCol="0" rtlCol="0" fromWordArt="0" anchor="t" anchorCtr="0" forceAA="0" compatLnSpc="1">
-            <a:prstTxWarp prst="textNoShape">
-              <a:avLst/>
-            </a:prstTxWarp>
-            <a:spAutoFit/>
-          </a:bodyPr>
-          <a:lstStyle/>
-          <a:p>
-            <a:pPr marL="285750" indent="-285750">
-              <a:buFont typeface="Wingdings"/>
-              <a:buChar char="§"/>
-            </a:pPr>
-            <a:r>
-              <a:rPr lang="en-US" dirty="0"/>
-              <a:t>MENU AND ORDER ITEM PAGE</a:t>
+              <a:t>CUSTOMER SUPPORT: ADMIN SIDE</a:t>
             </a:r>
           </a:p>
         </p:txBody>
@@ -17883,7 +17811,7 @@
     </p:spTree>
     <p:extLst>
       <p:ext uri="{BB962C8B-B14F-4D97-AF65-F5344CB8AC3E}">
-        <p14:creationId xmlns:p14="http://schemas.microsoft.com/office/powerpoint/2010/main" val="501451488"/>
+        <p14:creationId xmlns:p14="http://schemas.microsoft.com/office/powerpoint/2010/main" val="1108727723"/>
       </p:ext>
     </p:extLst>
   </p:cSld>
@@ -19500,72 +19428,10 @@
       </p:sp>
       <p:sp>
         <p:nvSpPr>
-          <p:cNvPr id="35" name="Isosceles Triangle 34">
+          <p:cNvPr id="2" name="Title 1">
             <a:extLst>
               <a:ext uri="{FF2B5EF4-FFF2-40B4-BE49-F238E27FC236}">
-                <a16:creationId xmlns:a16="http://schemas.microsoft.com/office/drawing/2014/main" id="{B8B918B4-AB10-4E3A-916E-A9625586EA47}"/>
-              </a:ext>
-              <a:ext uri="{C183D7F6-B498-43B3-948B-1728B52AA6E4}">
-                <adec:decorative xmlns:adec="http://schemas.microsoft.com/office/drawing/2017/decorative" val="1"/>
-              </a:ext>
-            </a:extLst>
-          </p:cNvPr>
-          <p:cNvSpPr>
-            <a:spLocks noGrp="1" noRot="1" noChangeAspect="1" noMove="1" noResize="1" noEditPoints="1" noAdjustHandles="1" noChangeArrowheads="1" noChangeShapeType="1" noTextEdit="1"/>
-          </p:cNvSpPr>
-          <p:nvPr>
-            <p:extLst>
-              <p:ext uri="{386F3935-93C4-4BCD-93E2-E3B085C9AB24}">
-                <p16:designElem xmlns:p16="http://schemas.microsoft.com/office/powerpoint/2015/main" val="1"/>
-              </p:ext>
-            </p:extLst>
-          </p:nvPr>
-        </p:nvSpPr>
-        <p:spPr>
-          <a:xfrm rot="5400000">
-            <a:off x="1797903" y="954813"/>
-            <a:ext cx="300774" cy="259288"/>
-          </a:xfrm>
-          <a:prstGeom prst="triangle">
-            <a:avLst/>
-          </a:prstGeom>
-          <a:solidFill>
-            <a:schemeClr val="accent1"/>
-          </a:solidFill>
-          <a:ln>
-            <a:noFill/>
-          </a:ln>
-        </p:spPr>
-        <p:style>
-          <a:lnRef idx="2">
-            <a:schemeClr val="accent1">
-              <a:shade val="50000"/>
-            </a:schemeClr>
-          </a:lnRef>
-          <a:fillRef idx="1">
-            <a:schemeClr val="accent1"/>
-          </a:fillRef>
-          <a:effectRef idx="0">
-            <a:schemeClr val="accent1"/>
-          </a:effectRef>
-          <a:fontRef idx="minor">
-            <a:schemeClr val="lt1"/>
-          </a:fontRef>
-        </p:style>
-        <p:txBody>
-          <a:bodyPr/>
-          <a:lstStyle/>
-          <a:p>
-            <a:endParaRPr lang="en-US" dirty="0"/>
-          </a:p>
-        </p:txBody>
-      </p:sp>
-      <p:sp>
-        <p:nvSpPr>
-          <p:cNvPr id="5" name="Title 1">
-            <a:extLst>
-              <a:ext uri="{FF2B5EF4-FFF2-40B4-BE49-F238E27FC236}">
-                <a16:creationId xmlns:a16="http://schemas.microsoft.com/office/drawing/2014/main" id="{39D9C4DE-8E3F-F9C5-C0A3-5474EF3B5BFB}"/>
+                <a16:creationId xmlns:a16="http://schemas.microsoft.com/office/drawing/2014/main" id="{3F7223A5-0AFF-BA07-D659-0CA84ACD32A2}"/>
               </a:ext>
             </a:extLst>
           </p:cNvPr>
@@ -19606,12 +19472,74 @@
           </a:p>
         </p:txBody>
       </p:sp>
+      <p:sp>
+        <p:nvSpPr>
+          <p:cNvPr id="35" name="Isosceles Triangle 34">
+            <a:extLst>
+              <a:ext uri="{FF2B5EF4-FFF2-40B4-BE49-F238E27FC236}">
+                <a16:creationId xmlns:a16="http://schemas.microsoft.com/office/drawing/2014/main" id="{B8B918B4-AB10-4E3A-916E-A9625586EA47}"/>
+              </a:ext>
+              <a:ext uri="{C183D7F6-B498-43B3-948B-1728B52AA6E4}">
+                <adec:decorative xmlns:adec="http://schemas.microsoft.com/office/drawing/2017/decorative" val="1"/>
+              </a:ext>
+            </a:extLst>
+          </p:cNvPr>
+          <p:cNvSpPr>
+            <a:spLocks noGrp="1" noRot="1" noChangeAspect="1" noMove="1" noResize="1" noEditPoints="1" noAdjustHandles="1" noChangeArrowheads="1" noChangeShapeType="1" noTextEdit="1"/>
+          </p:cNvSpPr>
+          <p:nvPr>
+            <p:extLst>
+              <p:ext uri="{386F3935-93C4-4BCD-93E2-E3B085C9AB24}">
+                <p16:designElem xmlns:p16="http://schemas.microsoft.com/office/powerpoint/2015/main" val="1"/>
+              </p:ext>
+            </p:extLst>
+          </p:nvPr>
+        </p:nvSpPr>
+        <p:spPr>
+          <a:xfrm rot="5400000">
+            <a:off x="1797903" y="954813"/>
+            <a:ext cx="300774" cy="259288"/>
+          </a:xfrm>
+          <a:prstGeom prst="triangle">
+            <a:avLst/>
+          </a:prstGeom>
+          <a:solidFill>
+            <a:schemeClr val="accent1"/>
+          </a:solidFill>
+          <a:ln>
+            <a:noFill/>
+          </a:ln>
+        </p:spPr>
+        <p:style>
+          <a:lnRef idx="2">
+            <a:schemeClr val="accent1">
+              <a:shade val="50000"/>
+            </a:schemeClr>
+          </a:lnRef>
+          <a:fillRef idx="1">
+            <a:schemeClr val="accent1"/>
+          </a:fillRef>
+          <a:effectRef idx="0">
+            <a:schemeClr val="accent1"/>
+          </a:effectRef>
+          <a:fontRef idx="minor">
+            <a:schemeClr val="lt1"/>
+          </a:fontRef>
+        </p:style>
+        <p:txBody>
+          <a:bodyPr/>
+          <a:lstStyle/>
+          <a:p>
+            <a:endParaRPr lang="en-US" dirty="0"/>
+          </a:p>
+        </p:txBody>
+      </p:sp>
       <p:pic>
         <p:nvPicPr>
-          <p:cNvPr id="6" name="Picture 6" descr="Text&#10;&#10;Description automatically generated">
+          <p:cNvPr id="4" name="Picture 4" descr="Text&#10;&#10;Description automatically generated">
             <a:extLst>
               <a:ext uri="{FF2B5EF4-FFF2-40B4-BE49-F238E27FC236}">
-                <a16:creationId xmlns:a16="http://schemas.microsoft.com/office/drawing/2014/main" id="{4B105ED0-FC90-668D-B7A6-47C4E276518C}"/>
+                <a16:creationId xmlns:a16="http://schemas.microsoft.com/office/drawing/2014/main" id="{668230E2-46E9-8386-0386-B316B88888CE}"/>
               </a:ext>
             </a:extLst>
           </p:cNvPr>
@@ -19628,8 +19556,8 @@
         </p:blipFill>
         <p:spPr>
           <a:xfrm>
-            <a:off x="2081212" y="2110088"/>
-            <a:ext cx="3862387" cy="3352196"/>
+            <a:off x="2026879" y="2055652"/>
+            <a:ext cx="3376411" cy="3402376"/>
           </a:xfrm>
           <a:prstGeom prst="rect">
             <a:avLst/>
@@ -19638,10 +19566,10 @@
       </p:pic>
       <p:sp>
         <p:nvSpPr>
-          <p:cNvPr id="9" name="TextBox 8">
+          <p:cNvPr id="5" name="TextBox 4">
             <a:extLst>
               <a:ext uri="{FF2B5EF4-FFF2-40B4-BE49-F238E27FC236}">
-                <a16:creationId xmlns:a16="http://schemas.microsoft.com/office/drawing/2014/main" id="{2D96B0E2-DF43-BBAF-8E85-CA6C665934F7}"/>
+                <a16:creationId xmlns:a16="http://schemas.microsoft.com/office/drawing/2014/main" id="{F8819779-0D96-14AD-9B1A-387EF5B71DCE}"/>
               </a:ext>
             </a:extLst>
           </p:cNvPr>
@@ -19673,17 +19601,17 @@
             </a:pPr>
             <a:r>
               <a:rPr lang="en-US" dirty="0"/>
-              <a:t>DELETE ITEM FROM CART AND PAYMENT PAGE</a:t>
+              <a:t>LOGIN, LOCATIONS AND RESTAURANTS PAGE</a:t>
             </a:r>
           </a:p>
         </p:txBody>
       </p:sp>
       <p:pic>
         <p:nvPicPr>
-          <p:cNvPr id="32" name="Picture 33" descr="Text&#10;&#10;Description automatically generated">
+          <p:cNvPr id="6" name="Picture 6" descr="Text&#10;&#10;Description automatically generated">
             <a:extLst>
               <a:ext uri="{FF2B5EF4-FFF2-40B4-BE49-F238E27FC236}">
-                <a16:creationId xmlns:a16="http://schemas.microsoft.com/office/drawing/2014/main" id="{7204CC2F-8A59-2BCC-0A30-E35F937669CE}"/>
+                <a16:creationId xmlns:a16="http://schemas.microsoft.com/office/drawing/2014/main" id="{08F2409A-2E2A-C49F-CCB9-D2C0D8B3F3D5}"/>
               </a:ext>
             </a:extLst>
           </p:cNvPr>
@@ -19700,8 +19628,8 @@
         </p:blipFill>
         <p:spPr>
           <a:xfrm>
-            <a:off x="6624034" y="2111228"/>
-            <a:ext cx="5351171" cy="3129234"/>
+            <a:off x="5950744" y="2059385"/>
+            <a:ext cx="2743200" cy="4025104"/>
           </a:xfrm>
           <a:prstGeom prst="rect">
             <a:avLst/>
@@ -19710,10 +19638,10 @@
       </p:pic>
       <p:sp>
         <p:nvSpPr>
-          <p:cNvPr id="34" name="TextBox 33">
+          <p:cNvPr id="7" name="TextBox 6">
             <a:extLst>
               <a:ext uri="{FF2B5EF4-FFF2-40B4-BE49-F238E27FC236}">
-                <a16:creationId xmlns:a16="http://schemas.microsoft.com/office/drawing/2014/main" id="{A1DDE049-A3CA-5FB8-AF1D-4E595926F1F3}"/>
+                <a16:creationId xmlns:a16="http://schemas.microsoft.com/office/drawing/2014/main" id="{40D565C8-3CF5-9AD8-BE55-4A74DB5E5034}"/>
               </a:ext>
             </a:extLst>
           </p:cNvPr>
@@ -19722,8 +19650,8 @@
         </p:nvSpPr>
         <p:spPr>
           <a:xfrm>
-            <a:off x="6622892" y="1391690"/>
-            <a:ext cx="4111009" cy="646331"/>
+            <a:off x="5774531" y="1393031"/>
+            <a:ext cx="3095624" cy="646331"/>
           </a:xfrm>
           <a:prstGeom prst="rect">
             <a:avLst/>
@@ -19745,7 +19673,79 @@
             </a:pPr>
             <a:r>
               <a:rPr lang="en-US" dirty="0"/>
-              <a:t>PAYMENT AND FEEDBACK PAGE ALONGWITH VALGRIND RESULT</a:t>
+              <a:t>RESTAURANTS, MENU AND SEARCH PAGE</a:t>
+            </a:r>
+          </a:p>
+        </p:txBody>
+      </p:sp>
+      <p:pic>
+        <p:nvPicPr>
+          <p:cNvPr id="9" name="Picture 31" descr="Text&#10;&#10;Description automatically generated">
+            <a:extLst>
+              <a:ext uri="{FF2B5EF4-FFF2-40B4-BE49-F238E27FC236}">
+                <a16:creationId xmlns:a16="http://schemas.microsoft.com/office/drawing/2014/main" id="{1B854BEE-CFC2-CEE1-A3A7-A446B42AD519}"/>
+              </a:ext>
+            </a:extLst>
+          </p:cNvPr>
+          <p:cNvPicPr>
+            <a:picLocks noChangeAspect="1"/>
+          </p:cNvPicPr>
+          <p:nvPr/>
+        </p:nvPicPr>
+        <p:blipFill>
+          <a:blip r:embed="rId4"/>
+          <a:stretch>
+            <a:fillRect/>
+          </a:stretch>
+        </p:blipFill>
+        <p:spPr>
+          <a:xfrm>
+            <a:off x="9258931" y="2062162"/>
+            <a:ext cx="2699073" cy="4114800"/>
+          </a:xfrm>
+          <a:prstGeom prst="rect">
+            <a:avLst/>
+          </a:prstGeom>
+        </p:spPr>
+      </p:pic>
+      <p:sp>
+        <p:nvSpPr>
+          <p:cNvPr id="32" name="TextBox 31">
+            <a:extLst>
+              <a:ext uri="{FF2B5EF4-FFF2-40B4-BE49-F238E27FC236}">
+                <a16:creationId xmlns:a16="http://schemas.microsoft.com/office/drawing/2014/main" id="{D91FB761-3C19-336F-3FE8-D6B0929B3556}"/>
+              </a:ext>
+            </a:extLst>
+          </p:cNvPr>
+          <p:cNvSpPr txBox="1"/>
+          <p:nvPr/>
+        </p:nvSpPr>
+        <p:spPr>
+          <a:xfrm>
+            <a:off x="8959453" y="1354335"/>
+            <a:ext cx="3080742" cy="646331"/>
+          </a:xfrm>
+          <a:prstGeom prst="rect">
+            <a:avLst/>
+          </a:prstGeom>
+          <a:noFill/>
+        </p:spPr>
+        <p:txBody>
+          <a:bodyPr rot="0" spcFirstLastPara="0" vertOverflow="overflow" horzOverflow="overflow" vert="horz" wrap="square" lIns="91440" tIns="45720" rIns="91440" bIns="45720" numCol="1" spcCol="0" rtlCol="0" fromWordArt="0" anchor="t" anchorCtr="0" forceAA="0" compatLnSpc="1">
+            <a:prstTxWarp prst="textNoShape">
+              <a:avLst/>
+            </a:prstTxWarp>
+            <a:spAutoFit/>
+          </a:bodyPr>
+          <a:lstStyle/>
+          <a:p>
+            <a:pPr marL="285750" indent="-285750">
+              <a:buFont typeface="Wingdings"/>
+              <a:buChar char="§"/>
+            </a:pPr>
+            <a:r>
+              <a:rPr lang="en-US" dirty="0"/>
+              <a:t>MENU AND ORDER ITEM PAGE</a:t>
             </a:r>
           </a:p>
         </p:txBody>
@@ -19753,7 +19753,7 @@
     </p:spTree>
     <p:extLst>
       <p:ext uri="{BB962C8B-B14F-4D97-AF65-F5344CB8AC3E}">
-        <p14:creationId xmlns:p14="http://schemas.microsoft.com/office/powerpoint/2010/main" val="2738540422"/>
+        <p14:creationId xmlns:p14="http://schemas.microsoft.com/office/powerpoint/2010/main" val="501451488"/>
       </p:ext>
     </p:extLst>
   </p:cSld>
@@ -21435,7 +21435,7 @@
           <p:cNvPr id="5" name="Title 1">
             <a:extLst>
               <a:ext uri="{FF2B5EF4-FFF2-40B4-BE49-F238E27FC236}">
-                <a16:creationId xmlns:a16="http://schemas.microsoft.com/office/drawing/2014/main" id="{FD54F6B6-A78A-9E2E-82DC-13742846BA29}"/>
+                <a16:creationId xmlns:a16="http://schemas.microsoft.com/office/drawing/2014/main" id="{39D9C4DE-8E3F-F9C5-C0A3-5474EF3B5BFB}"/>
               </a:ext>
             </a:extLst>
           </p:cNvPr>
@@ -21478,10 +21478,10 @@
       </p:sp>
       <p:pic>
         <p:nvPicPr>
-          <p:cNvPr id="6" name="Picture 6" descr="Graphical user interface, text&#10;&#10;Description automatically generated">
+          <p:cNvPr id="6" name="Picture 6" descr="Text&#10;&#10;Description automatically generated">
             <a:extLst>
               <a:ext uri="{FF2B5EF4-FFF2-40B4-BE49-F238E27FC236}">
-                <a16:creationId xmlns:a16="http://schemas.microsoft.com/office/drawing/2014/main" id="{D64527CB-9ACB-5D5F-A7D4-E4947DCD08B4}"/>
+                <a16:creationId xmlns:a16="http://schemas.microsoft.com/office/drawing/2014/main" id="{4B105ED0-FC90-668D-B7A6-47C4E276518C}"/>
               </a:ext>
             </a:extLst>
           </p:cNvPr>
@@ -21498,38 +21498,8 @@
         </p:blipFill>
         <p:spPr>
           <a:xfrm>
-            <a:off x="2081212" y="2171700"/>
-            <a:ext cx="5041106" cy="2955131"/>
-          </a:xfrm>
-          <a:prstGeom prst="rect">
-            <a:avLst/>
-          </a:prstGeom>
-        </p:spPr>
-      </p:pic>
-      <p:pic>
-        <p:nvPicPr>
-          <p:cNvPr id="7" name="Picture 8">
-            <a:extLst>
-              <a:ext uri="{FF2B5EF4-FFF2-40B4-BE49-F238E27FC236}">
-                <a16:creationId xmlns:a16="http://schemas.microsoft.com/office/drawing/2014/main" id="{A1D5F730-6115-EF98-4F23-F01D0531A17E}"/>
-              </a:ext>
-            </a:extLst>
-          </p:cNvPr>
-          <p:cNvPicPr>
-            <a:picLocks noChangeAspect="1"/>
-          </p:cNvPicPr>
-          <p:nvPr/>
-        </p:nvPicPr>
-        <p:blipFill>
-          <a:blip r:embed="rId3"/>
-          <a:stretch>
-            <a:fillRect/>
-          </a:stretch>
-        </p:blipFill>
-        <p:spPr>
-          <a:xfrm>
-            <a:off x="8649094" y="2169318"/>
-            <a:ext cx="2489999" cy="4114800"/>
+            <a:off x="2081212" y="2110088"/>
+            <a:ext cx="3862387" cy="3352196"/>
           </a:xfrm>
           <a:prstGeom prst="rect">
             <a:avLst/>
@@ -21538,10 +21508,10 @@
       </p:pic>
       <p:sp>
         <p:nvSpPr>
-          <p:cNvPr id="32" name="TextBox 31">
+          <p:cNvPr id="9" name="TextBox 8">
             <a:extLst>
               <a:ext uri="{FF2B5EF4-FFF2-40B4-BE49-F238E27FC236}">
-                <a16:creationId xmlns:a16="http://schemas.microsoft.com/office/drawing/2014/main" id="{ADA21252-1D8D-7171-DB02-A13962AFD1F0}"/>
+                <a16:creationId xmlns:a16="http://schemas.microsoft.com/office/drawing/2014/main" id="{2D96B0E2-DF43-BBAF-8E85-CA6C665934F7}"/>
               </a:ext>
             </a:extLst>
           </p:cNvPr>
@@ -21573,17 +21543,47 @@
             </a:pPr>
             <a:r>
               <a:rPr lang="en-US" dirty="0"/>
-              <a:t>CUSTOMER SUPPORT: CLIENT SIDE</a:t>
+              <a:t>DELETE ITEM FROM CART AND PAYMENT PAGE</a:t>
             </a:r>
           </a:p>
         </p:txBody>
       </p:sp>
+      <p:pic>
+        <p:nvPicPr>
+          <p:cNvPr id="32" name="Picture 33" descr="Text&#10;&#10;Description automatically generated">
+            <a:extLst>
+              <a:ext uri="{FF2B5EF4-FFF2-40B4-BE49-F238E27FC236}">
+                <a16:creationId xmlns:a16="http://schemas.microsoft.com/office/drawing/2014/main" id="{7204CC2F-8A59-2BCC-0A30-E35F937669CE}"/>
+              </a:ext>
+            </a:extLst>
+          </p:cNvPr>
+          <p:cNvPicPr>
+            <a:picLocks noChangeAspect="1"/>
+          </p:cNvPicPr>
+          <p:nvPr/>
+        </p:nvPicPr>
+        <p:blipFill>
+          <a:blip r:embed="rId3"/>
+          <a:stretch>
+            <a:fillRect/>
+          </a:stretch>
+        </p:blipFill>
+        <p:spPr>
+          <a:xfrm>
+            <a:off x="6624034" y="2111228"/>
+            <a:ext cx="5351171" cy="3129234"/>
+          </a:xfrm>
+          <a:prstGeom prst="rect">
+            <a:avLst/>
+          </a:prstGeom>
+        </p:spPr>
+      </p:pic>
       <p:sp>
         <p:nvSpPr>
           <p:cNvPr id="34" name="TextBox 33">
             <a:extLst>
               <a:ext uri="{FF2B5EF4-FFF2-40B4-BE49-F238E27FC236}">
-                <a16:creationId xmlns:a16="http://schemas.microsoft.com/office/drawing/2014/main" id="{923D487B-3297-A711-DAB8-14FDE688BB80}"/>
+                <a16:creationId xmlns:a16="http://schemas.microsoft.com/office/drawing/2014/main" id="{A1DDE049-A3CA-5FB8-AF1D-4E595926F1F3}"/>
               </a:ext>
             </a:extLst>
           </p:cNvPr>
@@ -21592,7 +21592,7 @@
         </p:nvSpPr>
         <p:spPr>
           <a:xfrm>
-            <a:off x="7847727" y="1391690"/>
+            <a:off x="6622892" y="1391690"/>
             <a:ext cx="4111009" cy="646331"/>
           </a:xfrm>
           <a:prstGeom prst="rect">
@@ -21615,7 +21615,7 @@
             </a:pPr>
             <a:r>
               <a:rPr lang="en-US" dirty="0"/>
-              <a:t>CUSTOMER SUPPORT: ADMIN SIDE</a:t>
+              <a:t>PAYMENT AND FEEDBACK PAGE ALONGWITH VALGRIND RESULT</a:t>
             </a:r>
           </a:p>
         </p:txBody>
@@ -21623,7 +21623,7 @@
     </p:spTree>
     <p:extLst>
       <p:ext uri="{BB962C8B-B14F-4D97-AF65-F5344CB8AC3E}">
-        <p14:creationId xmlns:p14="http://schemas.microsoft.com/office/powerpoint/2010/main" val="1108727723"/>
+        <p14:creationId xmlns:p14="http://schemas.microsoft.com/office/powerpoint/2010/main" val="2738540422"/>
       </p:ext>
     </p:extLst>
   </p:cSld>
@@ -21680,10 +21680,10 @@
       </p:sp>
       <p:pic>
         <p:nvPicPr>
-          <p:cNvPr id="5" name="Content Placeholder 4">
+          <p:cNvPr id="7" name="Content Placeholder 6">
             <a:extLst>
               <a:ext uri="{FF2B5EF4-FFF2-40B4-BE49-F238E27FC236}">
-                <a16:creationId xmlns:a16="http://schemas.microsoft.com/office/drawing/2014/main" id="{E1584C56-25F2-BD53-9A6A-A122689F261F}"/>
+                <a16:creationId xmlns:a16="http://schemas.microsoft.com/office/drawing/2014/main" id="{89B663F5-4BD3-12A2-F01B-C663636664CA}"/>
               </a:ext>
             </a:extLst>
           </p:cNvPr>
@@ -21708,8 +21708,8 @@
         </p:blipFill>
         <p:spPr>
           <a:xfrm>
-            <a:off x="5201921" y="223521"/>
-            <a:ext cx="4474336" cy="6522720"/>
+            <a:off x="6223190" y="803275"/>
+            <a:ext cx="4109529" cy="5248275"/>
           </a:xfrm>
         </p:spPr>
       </p:pic>
@@ -25271,10 +25271,10 @@
       </p:sp>
       <p:pic>
         <p:nvPicPr>
-          <p:cNvPr id="4" name="Picture 4" descr="Diagram&#10;&#10;Description automatically generated">
+          <p:cNvPr id="5" name="Picture 4">
             <a:extLst>
               <a:ext uri="{FF2B5EF4-FFF2-40B4-BE49-F238E27FC236}">
-                <a16:creationId xmlns:a16="http://schemas.microsoft.com/office/drawing/2014/main" id="{96F37C5E-B9D4-AE8D-D2E0-1FCD7E3380E0}"/>
+                <a16:creationId xmlns:a16="http://schemas.microsoft.com/office/drawing/2014/main" id="{FFD0A1F8-8285-1DCE-5C60-D23219C4E14F}"/>
               </a:ext>
             </a:extLst>
           </p:cNvPr>
@@ -25284,15 +25284,21 @@
           <p:nvPr/>
         </p:nvPicPr>
         <p:blipFill>
-          <a:blip r:embed="rId2"/>
+          <a:blip r:embed="rId2">
+            <a:extLst>
+              <a:ext uri="{28A0092B-C50C-407E-A947-70E740481C1C}">
+                <a14:useLocalDpi xmlns:a14="http://schemas.microsoft.com/office/drawing/2010/main" val="0"/>
+              </a:ext>
+            </a:extLst>
+          </a:blip>
           <a:stretch>
             <a:fillRect/>
           </a:stretch>
         </p:blipFill>
         <p:spPr>
           <a:xfrm>
-            <a:off x="6840957" y="-2146"/>
-            <a:ext cx="3049888" cy="6862294"/>
+            <a:off x="6554668" y="0"/>
+            <a:ext cx="3097332" cy="6858000"/>
           </a:xfrm>
           <a:prstGeom prst="rect">
             <a:avLst/>
